--- a/Intro_to_GENE/1_Structrue_of_input.pptx
+++ b/Intro_to_GENE/1_Structrue_of_input.pptx
@@ -19,8 +19,9 @@
     <p:sldId id="269" r:id="rId13"/>
     <p:sldId id="259" r:id="rId14"/>
     <p:sldId id="260" r:id="rId15"/>
-    <p:sldId id="270" r:id="rId16"/>
-    <p:sldId id="271" r:id="rId17"/>
+    <p:sldId id="272" r:id="rId16"/>
+    <p:sldId id="270" r:id="rId17"/>
+    <p:sldId id="271" r:id="rId18"/>
   </p:sldIdLst>
   <p:sldSz cx="12192000" cy="6858000"/>
   <p:notesSz cx="6858000" cy="9144000"/>
@@ -286,7 +287,7 @@
           <a:p>
             <a:fld id="{5FC85D78-2920-445E-8686-FA2F3D4A48D8}" type="datetimeFigureOut">
               <a:rPr lang="en-US" smtClean="0"/>
-              <a:t>5/25/2021</a:t>
+              <a:t>6/30/2021</a:t>
             </a:fld>
             <a:endParaRPr lang="en-US"/>
           </a:p>
@@ -484,7 +485,7 @@
           <a:p>
             <a:fld id="{5FC85D78-2920-445E-8686-FA2F3D4A48D8}" type="datetimeFigureOut">
               <a:rPr lang="en-US" smtClean="0"/>
-              <a:t>5/25/2021</a:t>
+              <a:t>6/30/2021</a:t>
             </a:fld>
             <a:endParaRPr lang="en-US"/>
           </a:p>
@@ -692,7 +693,7 @@
           <a:p>
             <a:fld id="{5FC85D78-2920-445E-8686-FA2F3D4A48D8}" type="datetimeFigureOut">
               <a:rPr lang="en-US" smtClean="0"/>
-              <a:t>5/25/2021</a:t>
+              <a:t>6/30/2021</a:t>
             </a:fld>
             <a:endParaRPr lang="en-US"/>
           </a:p>
@@ -890,7 +891,7 @@
           <a:p>
             <a:fld id="{5FC85D78-2920-445E-8686-FA2F3D4A48D8}" type="datetimeFigureOut">
               <a:rPr lang="en-US" smtClean="0"/>
-              <a:t>5/25/2021</a:t>
+              <a:t>6/30/2021</a:t>
             </a:fld>
             <a:endParaRPr lang="en-US"/>
           </a:p>
@@ -1165,7 +1166,7 @@
           <a:p>
             <a:fld id="{5FC85D78-2920-445E-8686-FA2F3D4A48D8}" type="datetimeFigureOut">
               <a:rPr lang="en-US" smtClean="0"/>
-              <a:t>5/25/2021</a:t>
+              <a:t>6/30/2021</a:t>
             </a:fld>
             <a:endParaRPr lang="en-US"/>
           </a:p>
@@ -1430,7 +1431,7 @@
           <a:p>
             <a:fld id="{5FC85D78-2920-445E-8686-FA2F3D4A48D8}" type="datetimeFigureOut">
               <a:rPr lang="en-US" smtClean="0"/>
-              <a:t>5/25/2021</a:t>
+              <a:t>6/30/2021</a:t>
             </a:fld>
             <a:endParaRPr lang="en-US"/>
           </a:p>
@@ -1842,7 +1843,7 @@
           <a:p>
             <a:fld id="{5FC85D78-2920-445E-8686-FA2F3D4A48D8}" type="datetimeFigureOut">
               <a:rPr lang="en-US" smtClean="0"/>
-              <a:t>5/25/2021</a:t>
+              <a:t>6/30/2021</a:t>
             </a:fld>
             <a:endParaRPr lang="en-US"/>
           </a:p>
@@ -1983,7 +1984,7 @@
           <a:p>
             <a:fld id="{5FC85D78-2920-445E-8686-FA2F3D4A48D8}" type="datetimeFigureOut">
               <a:rPr lang="en-US" smtClean="0"/>
-              <a:t>5/25/2021</a:t>
+              <a:t>6/30/2021</a:t>
             </a:fld>
             <a:endParaRPr lang="en-US"/>
           </a:p>
@@ -2096,7 +2097,7 @@
           <a:p>
             <a:fld id="{5FC85D78-2920-445E-8686-FA2F3D4A48D8}" type="datetimeFigureOut">
               <a:rPr lang="en-US" smtClean="0"/>
-              <a:t>5/25/2021</a:t>
+              <a:t>6/30/2021</a:t>
             </a:fld>
             <a:endParaRPr lang="en-US"/>
           </a:p>
@@ -2407,7 +2408,7 @@
           <a:p>
             <a:fld id="{5FC85D78-2920-445E-8686-FA2F3D4A48D8}" type="datetimeFigureOut">
               <a:rPr lang="en-US" smtClean="0"/>
-              <a:t>5/25/2021</a:t>
+              <a:t>6/30/2021</a:t>
             </a:fld>
             <a:endParaRPr lang="en-US"/>
           </a:p>
@@ -2695,7 +2696,7 @@
           <a:p>
             <a:fld id="{5FC85D78-2920-445E-8686-FA2F3D4A48D8}" type="datetimeFigureOut">
               <a:rPr lang="en-US" smtClean="0"/>
-              <a:t>5/25/2021</a:t>
+              <a:t>6/30/2021</a:t>
             </a:fld>
             <a:endParaRPr lang="en-US"/>
           </a:p>
@@ -2936,7 +2937,7 @@
           <a:p>
             <a:fld id="{5FC85D78-2920-445E-8686-FA2F3D4A48D8}" type="datetimeFigureOut">
               <a:rPr lang="en-US" smtClean="0"/>
-              <a:t>5/25/2021</a:t>
+              <a:t>6/30/2021</a:t>
             </a:fld>
             <a:endParaRPr lang="en-US"/>
           </a:p>
@@ -4534,6 +4535,89 @@
           <p:cNvPr id="2" name="Title 1">
             <a:extLst>
               <a:ext uri="{FF2B5EF4-FFF2-40B4-BE49-F238E27FC236}">
+                <a16:creationId xmlns:a16="http://schemas.microsoft.com/office/drawing/2014/main" id="{3EC638A2-A35C-4B3C-A665-A31433E0E536}"/>
+              </a:ext>
+            </a:extLst>
+          </p:cNvPr>
+          <p:cNvSpPr>
+            <a:spLocks noGrp="1"/>
+          </p:cNvSpPr>
+          <p:nvPr>
+            <p:ph type="title"/>
+          </p:nvPr>
+        </p:nvSpPr>
+        <p:spPr/>
+        <p:txBody>
+          <a:bodyPr/>
+          <a:lstStyle/>
+          <a:p>
+            <a:r>
+              <a:rPr lang="en-US" dirty="0"/>
+              <a:t>Interactive submit</a:t>
+            </a:r>
+          </a:p>
+        </p:txBody>
+      </p:sp>
+      <p:sp>
+        <p:nvSpPr>
+          <p:cNvPr id="3" name="Content Placeholder 2">
+            <a:extLst>
+              <a:ext uri="{FF2B5EF4-FFF2-40B4-BE49-F238E27FC236}">
+                <a16:creationId xmlns:a16="http://schemas.microsoft.com/office/drawing/2014/main" id="{E0C40556-8A41-4A3B-8C5D-447C5FEBEFF5}"/>
+              </a:ext>
+            </a:extLst>
+          </p:cNvPr>
+          <p:cNvSpPr>
+            <a:spLocks noGrp="1"/>
+          </p:cNvSpPr>
+          <p:nvPr>
+            <p:ph idx="1"/>
+          </p:nvPr>
+        </p:nvSpPr>
+        <p:spPr/>
+        <p:txBody>
+          <a:bodyPr/>
+          <a:lstStyle/>
+          <a:p>
+            <a:endParaRPr lang="en-US"/>
+          </a:p>
+        </p:txBody>
+      </p:sp>
+    </p:spTree>
+    <p:extLst>
+      <p:ext uri="{BB962C8B-B14F-4D97-AF65-F5344CB8AC3E}">
+        <p14:creationId xmlns:p14="http://schemas.microsoft.com/office/powerpoint/2010/main" val="2706660426"/>
+      </p:ext>
+    </p:extLst>
+  </p:cSld>
+  <p:clrMapOvr>
+    <a:masterClrMapping/>
+  </p:clrMapOvr>
+</p:sld>
+</file>
+
+<file path=ppt/slides/slide16.xml><?xml version="1.0" encoding="utf-8"?>
+<p:sld xmlns:a="http://schemas.openxmlformats.org/drawingml/2006/main" xmlns:r="http://schemas.openxmlformats.org/officeDocument/2006/relationships" xmlns:p="http://schemas.openxmlformats.org/presentationml/2006/main">
+  <p:cSld>
+    <p:spTree>
+      <p:nvGrpSpPr>
+        <p:cNvPr id="1" name=""/>
+        <p:cNvGrpSpPr/>
+        <p:nvPr/>
+      </p:nvGrpSpPr>
+      <p:grpSpPr>
+        <a:xfrm>
+          <a:off x="0" y="0"/>
+          <a:ext cx="0" cy="0"/>
+          <a:chOff x="0" y="0"/>
+          <a:chExt cx="0" cy="0"/>
+        </a:xfrm>
+      </p:grpSpPr>
+      <p:sp>
+        <p:nvSpPr>
+          <p:cNvPr id="2" name="Title 1">
+            <a:extLst>
+              <a:ext uri="{FF2B5EF4-FFF2-40B4-BE49-F238E27FC236}">
                 <a16:creationId xmlns:a16="http://schemas.microsoft.com/office/drawing/2014/main" id="{EAF89C90-0567-4A27-BCE1-4CE8B7B87070}"/>
               </a:ext>
             </a:extLst>
@@ -4654,7 +4738,7 @@
 </p:sld>
 </file>
 
-<file path=ppt/slides/slide16.xml><?xml version="1.0" encoding="utf-8"?>
+<file path=ppt/slides/slide17.xml><?xml version="1.0" encoding="utf-8"?>
 <p:sld xmlns:a="http://schemas.openxmlformats.org/drawingml/2006/main" xmlns:r="http://schemas.openxmlformats.org/officeDocument/2006/relationships" xmlns:p="http://schemas.openxmlformats.org/presentationml/2006/main">
   <p:cSld>
     <p:spTree>

--- a/Intro_to_GENE/1_Structrue_of_input.pptx
+++ b/Intro_to_GENE/1_Structrue_of_input.pptx
@@ -287,7 +287,7 @@
           <a:p>
             <a:fld id="{5FC85D78-2920-445E-8686-FA2F3D4A48D8}" type="datetimeFigureOut">
               <a:rPr lang="en-US" smtClean="0"/>
-              <a:t>6/30/2021</a:t>
+              <a:t>8/30/2021</a:t>
             </a:fld>
             <a:endParaRPr lang="en-US"/>
           </a:p>
@@ -485,7 +485,7 @@
           <a:p>
             <a:fld id="{5FC85D78-2920-445E-8686-FA2F3D4A48D8}" type="datetimeFigureOut">
               <a:rPr lang="en-US" smtClean="0"/>
-              <a:t>6/30/2021</a:t>
+              <a:t>8/30/2021</a:t>
             </a:fld>
             <a:endParaRPr lang="en-US"/>
           </a:p>
@@ -693,7 +693,7 @@
           <a:p>
             <a:fld id="{5FC85D78-2920-445E-8686-FA2F3D4A48D8}" type="datetimeFigureOut">
               <a:rPr lang="en-US" smtClean="0"/>
-              <a:t>6/30/2021</a:t>
+              <a:t>8/30/2021</a:t>
             </a:fld>
             <a:endParaRPr lang="en-US"/>
           </a:p>
@@ -891,7 +891,7 @@
           <a:p>
             <a:fld id="{5FC85D78-2920-445E-8686-FA2F3D4A48D8}" type="datetimeFigureOut">
               <a:rPr lang="en-US" smtClean="0"/>
-              <a:t>6/30/2021</a:t>
+              <a:t>8/30/2021</a:t>
             </a:fld>
             <a:endParaRPr lang="en-US"/>
           </a:p>
@@ -1166,7 +1166,7 @@
           <a:p>
             <a:fld id="{5FC85D78-2920-445E-8686-FA2F3D4A48D8}" type="datetimeFigureOut">
               <a:rPr lang="en-US" smtClean="0"/>
-              <a:t>6/30/2021</a:t>
+              <a:t>8/30/2021</a:t>
             </a:fld>
             <a:endParaRPr lang="en-US"/>
           </a:p>
@@ -1431,7 +1431,7 @@
           <a:p>
             <a:fld id="{5FC85D78-2920-445E-8686-FA2F3D4A48D8}" type="datetimeFigureOut">
               <a:rPr lang="en-US" smtClean="0"/>
-              <a:t>6/30/2021</a:t>
+              <a:t>8/30/2021</a:t>
             </a:fld>
             <a:endParaRPr lang="en-US"/>
           </a:p>
@@ -1843,7 +1843,7 @@
           <a:p>
             <a:fld id="{5FC85D78-2920-445E-8686-FA2F3D4A48D8}" type="datetimeFigureOut">
               <a:rPr lang="en-US" smtClean="0"/>
-              <a:t>6/30/2021</a:t>
+              <a:t>8/30/2021</a:t>
             </a:fld>
             <a:endParaRPr lang="en-US"/>
           </a:p>
@@ -1984,7 +1984,7 @@
           <a:p>
             <a:fld id="{5FC85D78-2920-445E-8686-FA2F3D4A48D8}" type="datetimeFigureOut">
               <a:rPr lang="en-US" smtClean="0"/>
-              <a:t>6/30/2021</a:t>
+              <a:t>8/30/2021</a:t>
             </a:fld>
             <a:endParaRPr lang="en-US"/>
           </a:p>
@@ -2097,7 +2097,7 @@
           <a:p>
             <a:fld id="{5FC85D78-2920-445E-8686-FA2F3D4A48D8}" type="datetimeFigureOut">
               <a:rPr lang="en-US" smtClean="0"/>
-              <a:t>6/30/2021</a:t>
+              <a:t>8/30/2021</a:t>
             </a:fld>
             <a:endParaRPr lang="en-US"/>
           </a:p>
@@ -2408,7 +2408,7 @@
           <a:p>
             <a:fld id="{5FC85D78-2920-445E-8686-FA2F3D4A48D8}" type="datetimeFigureOut">
               <a:rPr lang="en-US" smtClean="0"/>
-              <a:t>6/30/2021</a:t>
+              <a:t>8/30/2021</a:t>
             </a:fld>
             <a:endParaRPr lang="en-US"/>
           </a:p>
@@ -2696,7 +2696,7 @@
           <a:p>
             <a:fld id="{5FC85D78-2920-445E-8686-FA2F3D4A48D8}" type="datetimeFigureOut">
               <a:rPr lang="en-US" smtClean="0"/>
-              <a:t>6/30/2021</a:t>
+              <a:t>8/30/2021</a:t>
             </a:fld>
             <a:endParaRPr lang="en-US"/>
           </a:p>
@@ -2937,7 +2937,7 @@
           <a:p>
             <a:fld id="{5FC85D78-2920-445E-8686-FA2F3D4A48D8}" type="datetimeFigureOut">
               <a:rPr lang="en-US" smtClean="0"/>
-              <a:t>6/30/2021</a:t>
+              <a:t>8/30/2021</a:t>
             </a:fld>
             <a:endParaRPr lang="en-US"/>
           </a:p>
@@ -4579,7 +4579,7 @@
           <a:bodyPr/>
           <a:lstStyle/>
           <a:p>
-            <a:endParaRPr lang="en-US"/>
+            <a:endParaRPr lang="en-US" dirty="0"/>
           </a:p>
         </p:txBody>
       </p:sp>
